--- a/report/MScDS__Graduate_Project_Presentation__Khanh_Tran_240812.pptx
+++ b/report/MScDS__Graduate_Project_Presentation__Khanh_Tran_240812.pptx
@@ -974,14 +974,35 @@
           <a:p>
             <a:r>
               <a:rPr lang="en-US" dirty="0"/>
+              <a:t>All observed dispersion reflects sampling error, and study weights are assigned to minimize this within-study error.</a:t>
+            </a:r>
+          </a:p>
+          <a:p>
+            <a:pPr marL="457200" marR="0" lvl="0" indent="-298450" algn="l" defTabSz="914400" rtl="0" eaLnBrk="1" fontAlgn="auto" latinLnBrk="0" hangingPunct="1">
+              <a:lnSpc>
+                <a:spcPct val="100000"/>
+              </a:lnSpc>
+              <a:spcBef>
+                <a:spcPts val="0"/>
+              </a:spcBef>
+              <a:spcAft>
+                <a:spcPts val="0"/>
+              </a:spcAft>
+              <a:buClr>
+                <a:srgbClr val="000000"/>
+              </a:buClr>
+              <a:buSzPts val="1100"/>
+              <a:buFont typeface="Arial"/>
+              <a:buChar char="●"/>
+              <a:tabLst/>
+              <a:defRPr/>
+            </a:pPr>
+            <a:r>
+              <a:rPr lang="en-US" dirty="0"/>
               <a:t>The summary effect is our estimate of this common effect size, and the null hypothesis is that this common effect is zero (for a difference) or one (for a ratio). </a:t>
             </a:r>
           </a:p>
           <a:p>
-            <a:r>
-              <a:rPr lang="en-US" dirty="0"/>
-              <a:t>All observed dispersion reflects sampling error, and study weights are assigned to minimize this within-study error.</a:t>
-            </a:r>
             <a:endParaRPr lang="en-CA" dirty="0"/>
           </a:p>
         </p:txBody>
@@ -5351,7 +5372,7 @@
           <a:p>
             <a:fld id="{1D6BCD5A-24F3-4EA5-A68D-B3EE5D791A81}" type="datetimeFigureOut">
               <a:rPr lang="en-CA" smtClean="0"/>
-              <a:t>2024-08-28</a:t>
+              <a:t>2024-08-29</a:t>
             </a:fld>
             <a:endParaRPr lang="en-CA"/>
           </a:p>
@@ -11541,36 +11562,6 @@
           </a:p>
         </p:txBody>
       </p:sp>
-      <p:pic>
-        <p:nvPicPr>
-          <p:cNvPr id="3" name="Picture 2">
-            <a:extLst>
-              <a:ext uri="{FF2B5EF4-FFF2-40B4-BE49-F238E27FC236}">
-                <a16:creationId xmlns:a16="http://schemas.microsoft.com/office/drawing/2014/main" id="{9B8967F0-0210-AB99-5DED-4FF0D9F814BA}"/>
-              </a:ext>
-            </a:extLst>
-          </p:cNvPr>
-          <p:cNvPicPr>
-            <a:picLocks noChangeAspect="1"/>
-          </p:cNvPicPr>
-          <p:nvPr/>
-        </p:nvPicPr>
-        <p:blipFill>
-          <a:blip r:embed="rId3"/>
-          <a:stretch>
-            <a:fillRect/>
-          </a:stretch>
-        </p:blipFill>
-        <p:spPr>
-          <a:xfrm>
-            <a:off x="626839" y="2045873"/>
-            <a:ext cx="3177815" cy="2225233"/>
-          </a:xfrm>
-          <a:prstGeom prst="rect">
-            <a:avLst/>
-          </a:prstGeom>
-        </p:spPr>
-      </p:pic>
       <p:sp>
         <p:nvSpPr>
           <p:cNvPr id="5" name="Google Shape;66;p15">
@@ -12169,7 +12160,7 @@
           <p:nvPr/>
         </p:nvPicPr>
         <p:blipFill rotWithShape="1">
-          <a:blip r:embed="rId4"/>
+          <a:blip r:embed="rId3"/>
           <a:srcRect l="9356" t="10209" r="18477"/>
           <a:stretch/>
         </p:blipFill>
@@ -12183,6 +12174,225 @@
           </a:prstGeom>
         </p:spPr>
       </p:pic>
+      <p:grpSp>
+        <p:nvGrpSpPr>
+          <p:cNvPr id="11" name="Group 10">
+            <a:extLst>
+              <a:ext uri="{FF2B5EF4-FFF2-40B4-BE49-F238E27FC236}">
+                <a16:creationId xmlns:a16="http://schemas.microsoft.com/office/drawing/2014/main" id="{B15EE57E-1305-0729-BD30-A14AC8395E2D}"/>
+              </a:ext>
+            </a:extLst>
+          </p:cNvPr>
+          <p:cNvGrpSpPr/>
+          <p:nvPr/>
+        </p:nvGrpSpPr>
+        <p:grpSpPr>
+          <a:xfrm>
+            <a:off x="626839" y="2045873"/>
+            <a:ext cx="3177815" cy="2268831"/>
+            <a:chOff x="626839" y="2045873"/>
+            <a:chExt cx="3177815" cy="2268831"/>
+          </a:xfrm>
+        </p:grpSpPr>
+        <p:pic>
+          <p:nvPicPr>
+            <p:cNvPr id="3" name="Picture 2">
+              <a:extLst>
+                <a:ext uri="{FF2B5EF4-FFF2-40B4-BE49-F238E27FC236}">
+                  <a16:creationId xmlns:a16="http://schemas.microsoft.com/office/drawing/2014/main" id="{9B8967F0-0210-AB99-5DED-4FF0D9F814BA}"/>
+                </a:ext>
+              </a:extLst>
+            </p:cNvPr>
+            <p:cNvPicPr>
+              <a:picLocks noChangeAspect="1"/>
+            </p:cNvPicPr>
+            <p:nvPr/>
+          </p:nvPicPr>
+          <p:blipFill>
+            <a:blip r:embed="rId4"/>
+            <a:stretch>
+              <a:fillRect/>
+            </a:stretch>
+          </p:blipFill>
+          <p:spPr>
+            <a:xfrm>
+              <a:off x="626839" y="2045873"/>
+              <a:ext cx="3177815" cy="2225233"/>
+            </a:xfrm>
+            <a:prstGeom prst="rect">
+              <a:avLst/>
+            </a:prstGeom>
+          </p:spPr>
+        </p:pic>
+        <p:sp>
+          <p:nvSpPr>
+            <p:cNvPr id="2" name="TextBox 1">
+              <a:extLst>
+                <a:ext uri="{FF2B5EF4-FFF2-40B4-BE49-F238E27FC236}">
+                  <a16:creationId xmlns:a16="http://schemas.microsoft.com/office/drawing/2014/main" id="{26E4E22D-9886-AE4A-664B-B54A6582BAE8}"/>
+                </a:ext>
+              </a:extLst>
+            </p:cNvPr>
+            <p:cNvSpPr txBox="1"/>
+            <p:nvPr/>
+          </p:nvSpPr>
+          <p:spPr>
+            <a:xfrm>
+              <a:off x="1298448" y="2315595"/>
+              <a:ext cx="1267968" cy="215444"/>
+            </a:xfrm>
+            <a:prstGeom prst="rect">
+              <a:avLst/>
+            </a:prstGeom>
+            <a:solidFill>
+              <a:schemeClr val="bg1"/>
+            </a:solidFill>
+          </p:spPr>
+          <p:txBody>
+            <a:bodyPr wrap="square" lIns="0" tIns="0" rIns="0" bIns="0" rtlCol="0">
+              <a:spAutoFit/>
+            </a:bodyPr>
+            <a:lstStyle/>
+            <a:p>
+              <a:pPr algn="ctr"/>
+              <a:r>
+                <a:rPr lang="en-CA" dirty="0">
+                  <a:solidFill>
+                    <a:schemeClr val="bg2"/>
+                  </a:solidFill>
+                </a:rPr>
+                <a:t>Churn</a:t>
+              </a:r>
+            </a:p>
+          </p:txBody>
+        </p:sp>
+        <p:sp>
+          <p:nvSpPr>
+            <p:cNvPr id="4" name="TextBox 3">
+              <a:extLst>
+                <a:ext uri="{FF2B5EF4-FFF2-40B4-BE49-F238E27FC236}">
+                  <a16:creationId xmlns:a16="http://schemas.microsoft.com/office/drawing/2014/main" id="{A82479C7-3BE0-4D10-8ED0-49D75CC2A5AC}"/>
+                </a:ext>
+              </a:extLst>
+            </p:cNvPr>
+            <p:cNvSpPr txBox="1"/>
+            <p:nvPr/>
+          </p:nvSpPr>
+          <p:spPr>
+            <a:xfrm>
+              <a:off x="2532055" y="2315595"/>
+              <a:ext cx="1267968" cy="215444"/>
+            </a:xfrm>
+            <a:prstGeom prst="rect">
+              <a:avLst/>
+            </a:prstGeom>
+            <a:solidFill>
+              <a:schemeClr val="bg1"/>
+            </a:solidFill>
+          </p:spPr>
+          <p:txBody>
+            <a:bodyPr wrap="square" lIns="0" tIns="0" rIns="0" bIns="0" rtlCol="0">
+              <a:spAutoFit/>
+            </a:bodyPr>
+            <a:lstStyle/>
+            <a:p>
+              <a:pPr algn="ctr"/>
+              <a:r>
+                <a:rPr lang="en-CA" dirty="0">
+                  <a:solidFill>
+                    <a:schemeClr val="bg2"/>
+                  </a:solidFill>
+                </a:rPr>
+                <a:t>Not-churn</a:t>
+              </a:r>
+            </a:p>
+          </p:txBody>
+        </p:sp>
+        <p:sp>
+          <p:nvSpPr>
+            <p:cNvPr id="8" name="TextBox 7">
+              <a:extLst>
+                <a:ext uri="{FF2B5EF4-FFF2-40B4-BE49-F238E27FC236}">
+                  <a16:creationId xmlns:a16="http://schemas.microsoft.com/office/drawing/2014/main" id="{5198B0E9-4793-B8EF-E630-BC7763235012}"/>
+                </a:ext>
+              </a:extLst>
+            </p:cNvPr>
+            <p:cNvSpPr txBox="1"/>
+            <p:nvPr/>
+          </p:nvSpPr>
+          <p:spPr>
+            <a:xfrm rot="16200000">
+              <a:off x="515558" y="2887550"/>
+              <a:ext cx="1267968" cy="215444"/>
+            </a:xfrm>
+            <a:prstGeom prst="rect">
+              <a:avLst/>
+            </a:prstGeom>
+            <a:solidFill>
+              <a:schemeClr val="bg1"/>
+            </a:solidFill>
+          </p:spPr>
+          <p:txBody>
+            <a:bodyPr wrap="square" lIns="0" tIns="0" rIns="0" bIns="0" rtlCol="0">
+              <a:spAutoFit/>
+            </a:bodyPr>
+            <a:lstStyle/>
+            <a:p>
+              <a:pPr algn="ctr"/>
+              <a:r>
+                <a:rPr lang="en-CA" dirty="0">
+                  <a:solidFill>
+                    <a:schemeClr val="bg2"/>
+                  </a:solidFill>
+                </a:rPr>
+                <a:t>Churn</a:t>
+              </a:r>
+            </a:p>
+          </p:txBody>
+        </p:sp>
+        <p:sp>
+          <p:nvSpPr>
+            <p:cNvPr id="10" name="TextBox 9">
+              <a:extLst>
+                <a:ext uri="{FF2B5EF4-FFF2-40B4-BE49-F238E27FC236}">
+                  <a16:creationId xmlns:a16="http://schemas.microsoft.com/office/drawing/2014/main" id="{3B5799C3-6AF7-B9B0-267B-E8E13ADF0F67}"/>
+                </a:ext>
+              </a:extLst>
+            </p:cNvPr>
+            <p:cNvSpPr txBox="1"/>
+            <p:nvPr/>
+          </p:nvSpPr>
+          <p:spPr>
+            <a:xfrm rot="16200000">
+              <a:off x="638109" y="3707742"/>
+              <a:ext cx="998481" cy="215444"/>
+            </a:xfrm>
+            <a:prstGeom prst="rect">
+              <a:avLst/>
+            </a:prstGeom>
+            <a:solidFill>
+              <a:schemeClr val="bg1"/>
+            </a:solidFill>
+          </p:spPr>
+          <p:txBody>
+            <a:bodyPr wrap="square" lIns="0" tIns="0" rIns="0" bIns="0" rtlCol="0">
+              <a:spAutoFit/>
+            </a:bodyPr>
+            <a:lstStyle/>
+            <a:p>
+              <a:pPr algn="ctr"/>
+              <a:r>
+                <a:rPr lang="en-CA" dirty="0">
+                  <a:solidFill>
+                    <a:schemeClr val="bg2"/>
+                  </a:solidFill>
+                </a:rPr>
+                <a:t>Not-churn</a:t>
+              </a:r>
+            </a:p>
+          </p:txBody>
+        </p:sp>
+      </p:grpSp>
     </p:spTree>
     <p:extLst>
       <p:ext uri="{BB962C8B-B14F-4D97-AF65-F5344CB8AC3E}">
@@ -15517,17 +15727,8 @@
                   <a:schemeClr val="bg2"/>
                 </a:solidFill>
               </a:rPr>
-              <a:t>Random-Effect Model Calculation Steps</a:t>
+              <a:t>Random-Effect Model</a:t>
             </a:r>
-          </a:p>
-          <a:p>
-            <a:endParaRPr lang="en-CA" sz="2100" dirty="0">
-              <a:solidFill>
-                <a:schemeClr val="bg2"/>
-              </a:solidFill>
-            </a:endParaRPr>
-          </a:p>
-          <a:p>
             <a:endParaRPr lang="en-CA" sz="2000" dirty="0">
               <a:solidFill>
                 <a:schemeClr val="bg2"/>
